--- a/UvodnaPrezentacija.pptx
+++ b/UvodnaPrezentacija.pptx
@@ -9,8 +9,9 @@
     <p:sldId id="258" r:id="rId3"/>
     <p:sldId id="259" r:id="rId4"/>
     <p:sldId id="257" r:id="rId5"/>
-    <p:sldId id="260" r:id="rId6"/>
+    <p:sldId id="262" r:id="rId6"/>
     <p:sldId id="261" r:id="rId7"/>
+    <p:sldId id="263" r:id="rId8"/>
   </p:sldIdLst>
   <p:sldSz cx="12192000" cy="6858000"/>
   <p:notesSz cx="6858000" cy="9144000"/>
@@ -109,6 +110,11 @@
       </a:defRPr>
     </a:lvl9pPr>
   </p:defaultTextStyle>
+  <p:extLst>
+    <p:ext uri="{EFAFB233-063F-42B5-8137-9DF3F51BA10A}">
+      <p15:sldGuideLst xmlns:p15="http://schemas.microsoft.com/office/powerpoint/2012/main"/>
+    </p:ext>
+  </p:extLst>
 </p:presentation>
 </file>
 
@@ -338,7 +344,7 @@
           <a:p>
             <a:fld id="{A78B7BE5-530A-41AA-B1DA-95B0AB38CF5B}" type="datetimeFigureOut">
               <a:rPr lang="hr-HR" smtClean="0"/>
-              <a:t>27.7.2025.</a:t>
+              <a:t>30.7.2025.</a:t>
             </a:fld>
             <a:endParaRPr lang="hr-HR"/>
           </a:p>
@@ -546,7 +552,7 @@
           <a:p>
             <a:fld id="{A78B7BE5-530A-41AA-B1DA-95B0AB38CF5B}" type="datetimeFigureOut">
               <a:rPr lang="hr-HR" smtClean="0"/>
-              <a:t>27.7.2025.</a:t>
+              <a:t>30.7.2025.</a:t>
             </a:fld>
             <a:endParaRPr lang="hr-HR"/>
           </a:p>
@@ -802,7 +808,7 @@
           <a:p>
             <a:fld id="{A78B7BE5-530A-41AA-B1DA-95B0AB38CF5B}" type="datetimeFigureOut">
               <a:rPr lang="hr-HR" smtClean="0"/>
-              <a:t>27.7.2025.</a:t>
+              <a:t>30.7.2025.</a:t>
             </a:fld>
             <a:endParaRPr lang="hr-HR"/>
           </a:p>
@@ -976,7 +982,7 @@
           <a:p>
             <a:fld id="{A78B7BE5-530A-41AA-B1DA-95B0AB38CF5B}" type="datetimeFigureOut">
               <a:rPr lang="hr-HR" smtClean="0"/>
-              <a:t>27.7.2025.</a:t>
+              <a:t>30.7.2025.</a:t>
             </a:fld>
             <a:endParaRPr lang="hr-HR"/>
           </a:p>
@@ -1319,7 +1325,7 @@
           <a:p>
             <a:fld id="{A78B7BE5-530A-41AA-B1DA-95B0AB38CF5B}" type="datetimeFigureOut">
               <a:rPr lang="hr-HR" smtClean="0"/>
-              <a:t>27.7.2025.</a:t>
+              <a:t>30.7.2025.</a:t>
             </a:fld>
             <a:endParaRPr lang="hr-HR"/>
           </a:p>
@@ -1594,7 +1600,7 @@
           <a:p>
             <a:fld id="{A78B7BE5-530A-41AA-B1DA-95B0AB38CF5B}" type="datetimeFigureOut">
               <a:rPr lang="hr-HR" smtClean="0"/>
-              <a:t>27.7.2025.</a:t>
+              <a:t>30.7.2025.</a:t>
             </a:fld>
             <a:endParaRPr lang="hr-HR"/>
           </a:p>
@@ -1973,7 +1979,7 @@
           <a:p>
             <a:fld id="{A78B7BE5-530A-41AA-B1DA-95B0AB38CF5B}" type="datetimeFigureOut">
               <a:rPr lang="hr-HR" smtClean="0"/>
-              <a:t>27.7.2025.</a:t>
+              <a:t>30.7.2025.</a:t>
             </a:fld>
             <a:endParaRPr lang="hr-HR"/>
           </a:p>
@@ -2091,7 +2097,7 @@
           <a:p>
             <a:fld id="{A78B7BE5-530A-41AA-B1DA-95B0AB38CF5B}" type="datetimeFigureOut">
               <a:rPr lang="hr-HR" smtClean="0"/>
-              <a:t>27.7.2025.</a:t>
+              <a:t>30.7.2025.</a:t>
             </a:fld>
             <a:endParaRPr lang="hr-HR"/>
           </a:p>
@@ -2262,7 +2268,7 @@
           <a:p>
             <a:fld id="{A78B7BE5-530A-41AA-B1DA-95B0AB38CF5B}" type="datetimeFigureOut">
               <a:rPr lang="hr-HR" smtClean="0"/>
-              <a:t>27.7.2025.</a:t>
+              <a:t>30.7.2025.</a:t>
             </a:fld>
             <a:endParaRPr lang="hr-HR"/>
           </a:p>
@@ -2616,7 +2622,7 @@
           <a:p>
             <a:fld id="{A78B7BE5-530A-41AA-B1DA-95B0AB38CF5B}" type="datetimeFigureOut">
               <a:rPr lang="hr-HR" smtClean="0"/>
-              <a:t>27.7.2025.</a:t>
+              <a:t>30.7.2025.</a:t>
             </a:fld>
             <a:endParaRPr lang="hr-HR"/>
           </a:p>
@@ -2998,7 +3004,7 @@
           <a:p>
             <a:fld id="{A78B7BE5-530A-41AA-B1DA-95B0AB38CF5B}" type="datetimeFigureOut">
               <a:rPr lang="hr-HR" smtClean="0"/>
-              <a:t>27.7.2025.</a:t>
+              <a:t>30.7.2025.</a:t>
             </a:fld>
             <a:endParaRPr lang="hr-HR"/>
           </a:p>
@@ -3285,7 +3291,7 @@
           <a:p>
             <a:fld id="{A78B7BE5-530A-41AA-B1DA-95B0AB38CF5B}" type="datetimeFigureOut">
               <a:rPr lang="hr-HR" smtClean="0"/>
-              <a:t>27.7.2025.</a:t>
+              <a:t>30.7.2025.</a:t>
             </a:fld>
             <a:endParaRPr lang="hr-HR"/>
           </a:p>
@@ -4259,7 +4265,7 @@
           <p:cNvPr id="2" name="Title 1">
             <a:extLst>
               <a:ext uri="{FF2B5EF4-FFF2-40B4-BE49-F238E27FC236}">
-                <a16:creationId xmlns:a16="http://schemas.microsoft.com/office/drawing/2014/main" id="{A2C8A1F4-3714-D8C3-E3ED-E133206E8A8A}"/>
+                <a16:creationId xmlns:a16="http://schemas.microsoft.com/office/drawing/2014/main" id="{E640CF01-46EB-5956-9B12-F09DFBCFB899}"/>
               </a:ext>
             </a:extLst>
           </p:cNvPr>
@@ -4277,15 +4283,119 @@
           <a:p>
             <a:r>
               <a:rPr lang="hr-HR" dirty="0"/>
-              <a:t>Plan</a:t>
-            </a:r>
-          </a:p>
-        </p:txBody>
-      </p:sp>
+              <a:t>Primjer…</a:t>
+            </a:r>
+          </a:p>
+        </p:txBody>
+      </p:sp>
+      <p:sp>
+        <p:nvSpPr>
+          <p:cNvPr id="3" name="Content Placeholder 2">
+            <a:extLst>
+              <a:ext uri="{FF2B5EF4-FFF2-40B4-BE49-F238E27FC236}">
+                <a16:creationId xmlns:a16="http://schemas.microsoft.com/office/drawing/2014/main" id="{B708AED5-EB97-0956-C111-0861E9A795E5}"/>
+              </a:ext>
+            </a:extLst>
+          </p:cNvPr>
+          <p:cNvSpPr>
+            <a:spLocks noGrp="1"/>
+          </p:cNvSpPr>
+          <p:nvPr>
+            <p:ph idx="1"/>
+          </p:nvPr>
+        </p:nvSpPr>
+        <p:spPr/>
+        <p:txBody>
+          <a:bodyPr/>
+          <a:lstStyle/>
+          <a:p>
+            <a:r>
+              <a:rPr lang="hr-HR" dirty="0"/>
+              <a:t>KORISNIK: „Marko, molim te upali svijetlo.”</a:t>
+            </a:r>
+          </a:p>
+          <a:p>
+            <a:pPr>
+              <a:buFont typeface="Arial" panose="020B0604020202020204" pitchFamily="34" charset="0"/>
+              <a:buChar char="•"/>
+            </a:pPr>
+            <a:r>
+              <a:rPr lang="hr-HR" dirty="0"/>
+              <a:t> asistent prepoznaje izgovorene riječi te uz pomoć AI modela određuje odgovarajuću akciju</a:t>
+            </a:r>
+          </a:p>
+          <a:p>
+            <a:pPr>
+              <a:buFont typeface="Arial" panose="020B0604020202020204" pitchFamily="34" charset="0"/>
+              <a:buChar char="•"/>
+            </a:pPr>
+            <a:r>
+              <a:rPr lang="hr-HR" dirty="0"/>
+              <a:t> komunicira sa Arduinom koji pali led lampicu</a:t>
+            </a:r>
+          </a:p>
+          <a:p>
+            <a:pPr marL="0" indent="0">
+              <a:buNone/>
+            </a:pPr>
+            <a:r>
+              <a:rPr lang="hr-HR" dirty="0"/>
+              <a:t>ASISTENT: „Naravno, svijetlo je upaljeno!”</a:t>
+            </a:r>
+          </a:p>
+        </p:txBody>
+      </p:sp>
+      <p:pic>
+        <p:nvPicPr>
+          <p:cNvPr id="1026" name="Picture 2" descr="ARDUINO MKR1000 WiFi (with HEADERS) - Buy ARDUINO MKR1000 WiFi (with  HEADERS) Online at Low Price in India - Amazon.in">
+            <a:extLst>
+              <a:ext uri="{FF2B5EF4-FFF2-40B4-BE49-F238E27FC236}">
+                <a16:creationId xmlns:a16="http://schemas.microsoft.com/office/drawing/2014/main" id="{31F1AC91-1355-48EC-6129-64DAC8212185}"/>
+              </a:ext>
+            </a:extLst>
+          </p:cNvPr>
+          <p:cNvPicPr>
+            <a:picLocks noChangeAspect="1" noChangeArrowheads="1"/>
+          </p:cNvPicPr>
+          <p:nvPr/>
+        </p:nvPicPr>
+        <p:blipFill>
+          <a:blip r:embed="rId2">
+            <a:extLst>
+              <a:ext uri="{28A0092B-C50C-407E-A947-70E740481C1C}">
+                <a14:useLocalDpi xmlns:a14="http://schemas.microsoft.com/office/drawing/2010/main" val="0"/>
+              </a:ext>
+            </a:extLst>
+          </a:blip>
+          <a:srcRect/>
+          <a:stretch>
+            <a:fillRect/>
+          </a:stretch>
+        </p:blipFill>
+        <p:spPr bwMode="auto">
+          <a:xfrm>
+            <a:off x="8029575" y="2912323"/>
+            <a:ext cx="3065145" cy="3065145"/>
+          </a:xfrm>
+          <a:prstGeom prst="rect">
+            <a:avLst/>
+          </a:prstGeom>
+          <a:noFill/>
+          <a:extLst>
+            <a:ext uri="{909E8E84-426E-40DD-AFC4-6F175D3DCCD1}">
+              <a14:hiddenFill xmlns:a14="http://schemas.microsoft.com/office/drawing/2010/main">
+                <a:solidFill>
+                  <a:srgbClr val="FFFFFF"/>
+                </a:solidFill>
+              </a14:hiddenFill>
+            </a:ext>
+          </a:extLst>
+        </p:spPr>
+      </p:pic>
     </p:spTree>
     <p:extLst>
       <p:ext uri="{BB962C8B-B14F-4D97-AF65-F5344CB8AC3E}">
-        <p14:creationId xmlns:p14="http://schemas.microsoft.com/office/powerpoint/2010/main" val="4029238238"/>
+        <p14:creationId xmlns:p14="http://schemas.microsoft.com/office/powerpoint/2010/main" val="2741398654"/>
       </p:ext>
     </p:extLst>
   </p:cSld>
@@ -4820,6 +4930,123 @@
     <p:extLst>
       <p:ext uri="{BB962C8B-B14F-4D97-AF65-F5344CB8AC3E}">
         <p14:creationId xmlns:p14="http://schemas.microsoft.com/office/powerpoint/2010/main" val="3555328182"/>
+      </p:ext>
+    </p:extLst>
+  </p:cSld>
+  <p:clrMapOvr>
+    <a:masterClrMapping/>
+  </p:clrMapOvr>
+</p:sld>
+</file>
+
+<file path=ppt/slides/slide7.xml><?xml version="1.0" encoding="utf-8"?>
+<p:sld xmlns:a="http://schemas.openxmlformats.org/drawingml/2006/main" xmlns:r="http://schemas.openxmlformats.org/officeDocument/2006/relationships" xmlns:p="http://schemas.openxmlformats.org/presentationml/2006/main">
+  <p:cSld>
+    <p:spTree>
+      <p:nvGrpSpPr>
+        <p:cNvPr id="1" name=""/>
+        <p:cNvGrpSpPr/>
+        <p:nvPr/>
+      </p:nvGrpSpPr>
+      <p:grpSpPr>
+        <a:xfrm>
+          <a:off x="0" y="0"/>
+          <a:ext cx="0" cy="0"/>
+          <a:chOff x="0" y="0"/>
+          <a:chExt cx="0" cy="0"/>
+        </a:xfrm>
+      </p:grpSpPr>
+      <p:sp>
+        <p:nvSpPr>
+          <p:cNvPr id="2" name="Title 1">
+            <a:extLst>
+              <a:ext uri="{FF2B5EF4-FFF2-40B4-BE49-F238E27FC236}">
+                <a16:creationId xmlns:a16="http://schemas.microsoft.com/office/drawing/2014/main" id="{519BA226-4EB9-80F5-A428-8D1683550164}"/>
+              </a:ext>
+            </a:extLst>
+          </p:cNvPr>
+          <p:cNvSpPr>
+            <a:spLocks noGrp="1"/>
+          </p:cNvSpPr>
+          <p:nvPr>
+            <p:ph type="title"/>
+          </p:nvPr>
+        </p:nvSpPr>
+        <p:spPr/>
+        <p:txBody>
+          <a:bodyPr/>
+          <a:lstStyle/>
+          <a:p>
+            <a:r>
+              <a:rPr lang="hr-HR" dirty="0"/>
+              <a:t>za </a:t>
+            </a:r>
+            <a:r>
+              <a:rPr lang="hr-HR" dirty="0" err="1"/>
+              <a:t>esp</a:t>
+            </a:r>
+            <a:endParaRPr lang="hr-HR" dirty="0"/>
+          </a:p>
+        </p:txBody>
+      </p:sp>
+      <p:sp>
+        <p:nvSpPr>
+          <p:cNvPr id="3" name="Content Placeholder 2">
+            <a:extLst>
+              <a:ext uri="{FF2B5EF4-FFF2-40B4-BE49-F238E27FC236}">
+                <a16:creationId xmlns:a16="http://schemas.microsoft.com/office/drawing/2014/main" id="{B83AB4A8-250E-4285-3C6D-C3E2B35FEE4B}"/>
+              </a:ext>
+            </a:extLst>
+          </p:cNvPr>
+          <p:cNvSpPr>
+            <a:spLocks noGrp="1"/>
+          </p:cNvSpPr>
+          <p:nvPr>
+            <p:ph idx="1"/>
+          </p:nvPr>
+        </p:nvSpPr>
+        <p:spPr/>
+        <p:txBody>
+          <a:bodyPr/>
+          <a:lstStyle/>
+          <a:p>
+            <a:r>
+              <a:rPr lang="hr-HR" dirty="0"/>
+              <a:t>dodaj: </a:t>
+            </a:r>
+            <a:r>
+              <a:rPr lang="en-GB" b="1" dirty="0">
+                <a:hlinkClick r:id="rId2"/>
+              </a:rPr>
+              <a:t>http://arduino.esp8266.com/stable/package_esp8266com_index.json</a:t>
+            </a:r>
+            <a:endParaRPr lang="hr-HR" b="1" dirty="0"/>
+          </a:p>
+          <a:p>
+            <a:r>
+              <a:rPr lang="hr-HR" dirty="0"/>
+              <a:t>pod File/</a:t>
+            </a:r>
+            <a:r>
+              <a:rPr lang="hr-HR" dirty="0" err="1"/>
+              <a:t>Preferences</a:t>
+            </a:r>
+            <a:r>
+              <a:rPr lang="hr-HR" dirty="0"/>
+              <a:t>/</a:t>
+            </a:r>
+            <a:r>
+              <a:rPr lang="en-GB" dirty="0"/>
+              <a:t>Additional Boards Manager URLs</a:t>
+            </a:r>
+            <a:endParaRPr lang="hr-HR" dirty="0"/>
+          </a:p>
+        </p:txBody>
+      </p:sp>
+    </p:spTree>
+    <p:extLst>
+      <p:ext uri="{BB962C8B-B14F-4D97-AF65-F5344CB8AC3E}">
+        <p14:creationId xmlns:p14="http://schemas.microsoft.com/office/powerpoint/2010/main" val="1905181400"/>
       </p:ext>
     </p:extLst>
   </p:cSld>

--- a/UvodnaPrezentacija.pptx
+++ b/UvodnaPrezentacija.pptx
@@ -8,10 +8,11 @@
     <p:sldId id="256" r:id="rId2"/>
     <p:sldId id="258" r:id="rId3"/>
     <p:sldId id="259" r:id="rId4"/>
-    <p:sldId id="257" r:id="rId5"/>
-    <p:sldId id="262" r:id="rId6"/>
-    <p:sldId id="261" r:id="rId7"/>
-    <p:sldId id="263" r:id="rId8"/>
+    <p:sldId id="263" r:id="rId5"/>
+    <p:sldId id="257" r:id="rId6"/>
+    <p:sldId id="262" r:id="rId7"/>
+    <p:sldId id="261" r:id="rId8"/>
+    <p:sldId id="264" r:id="rId9"/>
   </p:sldIdLst>
   <p:sldSz cx="12192000" cy="6858000"/>
   <p:notesSz cx="6858000" cy="9144000"/>
@@ -344,7 +345,7 @@
           <a:p>
             <a:fld id="{A78B7BE5-530A-41AA-B1DA-95B0AB38CF5B}" type="datetimeFigureOut">
               <a:rPr lang="hr-HR" smtClean="0"/>
-              <a:t>30.7.2025.</a:t>
+              <a:t>4.8.2025.</a:t>
             </a:fld>
             <a:endParaRPr lang="hr-HR"/>
           </a:p>
@@ -552,7 +553,7 @@
           <a:p>
             <a:fld id="{A78B7BE5-530A-41AA-B1DA-95B0AB38CF5B}" type="datetimeFigureOut">
               <a:rPr lang="hr-HR" smtClean="0"/>
-              <a:t>30.7.2025.</a:t>
+              <a:t>4.8.2025.</a:t>
             </a:fld>
             <a:endParaRPr lang="hr-HR"/>
           </a:p>
@@ -808,7 +809,7 @@
           <a:p>
             <a:fld id="{A78B7BE5-530A-41AA-B1DA-95B0AB38CF5B}" type="datetimeFigureOut">
               <a:rPr lang="hr-HR" smtClean="0"/>
-              <a:t>30.7.2025.</a:t>
+              <a:t>4.8.2025.</a:t>
             </a:fld>
             <a:endParaRPr lang="hr-HR"/>
           </a:p>
@@ -982,7 +983,7 @@
           <a:p>
             <a:fld id="{A78B7BE5-530A-41AA-B1DA-95B0AB38CF5B}" type="datetimeFigureOut">
               <a:rPr lang="hr-HR" smtClean="0"/>
-              <a:t>30.7.2025.</a:t>
+              <a:t>4.8.2025.</a:t>
             </a:fld>
             <a:endParaRPr lang="hr-HR"/>
           </a:p>
@@ -1325,7 +1326,7 @@
           <a:p>
             <a:fld id="{A78B7BE5-530A-41AA-B1DA-95B0AB38CF5B}" type="datetimeFigureOut">
               <a:rPr lang="hr-HR" smtClean="0"/>
-              <a:t>30.7.2025.</a:t>
+              <a:t>4.8.2025.</a:t>
             </a:fld>
             <a:endParaRPr lang="hr-HR"/>
           </a:p>
@@ -1600,7 +1601,7 @@
           <a:p>
             <a:fld id="{A78B7BE5-530A-41AA-B1DA-95B0AB38CF5B}" type="datetimeFigureOut">
               <a:rPr lang="hr-HR" smtClean="0"/>
-              <a:t>30.7.2025.</a:t>
+              <a:t>4.8.2025.</a:t>
             </a:fld>
             <a:endParaRPr lang="hr-HR"/>
           </a:p>
@@ -1979,7 +1980,7 @@
           <a:p>
             <a:fld id="{A78B7BE5-530A-41AA-B1DA-95B0AB38CF5B}" type="datetimeFigureOut">
               <a:rPr lang="hr-HR" smtClean="0"/>
-              <a:t>30.7.2025.</a:t>
+              <a:t>4.8.2025.</a:t>
             </a:fld>
             <a:endParaRPr lang="hr-HR"/>
           </a:p>
@@ -2097,7 +2098,7 @@
           <a:p>
             <a:fld id="{A78B7BE5-530A-41AA-B1DA-95B0AB38CF5B}" type="datetimeFigureOut">
               <a:rPr lang="hr-HR" smtClean="0"/>
-              <a:t>30.7.2025.</a:t>
+              <a:t>4.8.2025.</a:t>
             </a:fld>
             <a:endParaRPr lang="hr-HR"/>
           </a:p>
@@ -2268,7 +2269,7 @@
           <a:p>
             <a:fld id="{A78B7BE5-530A-41AA-B1DA-95B0AB38CF5B}" type="datetimeFigureOut">
               <a:rPr lang="hr-HR" smtClean="0"/>
-              <a:t>30.7.2025.</a:t>
+              <a:t>4.8.2025.</a:t>
             </a:fld>
             <a:endParaRPr lang="hr-HR"/>
           </a:p>
@@ -2622,7 +2623,7 @@
           <a:p>
             <a:fld id="{A78B7BE5-530A-41AA-B1DA-95B0AB38CF5B}" type="datetimeFigureOut">
               <a:rPr lang="hr-HR" smtClean="0"/>
-              <a:t>30.7.2025.</a:t>
+              <a:t>4.8.2025.</a:t>
             </a:fld>
             <a:endParaRPr lang="hr-HR"/>
           </a:p>
@@ -3004,7 +3005,7 @@
           <a:p>
             <a:fld id="{A78B7BE5-530A-41AA-B1DA-95B0AB38CF5B}" type="datetimeFigureOut">
               <a:rPr lang="hr-HR" smtClean="0"/>
-              <a:t>30.7.2025.</a:t>
+              <a:t>4.8.2025.</a:t>
             </a:fld>
             <a:endParaRPr lang="hr-HR"/>
           </a:p>
@@ -3291,7 +3292,7 @@
           <a:p>
             <a:fld id="{A78B7BE5-530A-41AA-B1DA-95B0AB38CF5B}" type="datetimeFigureOut">
               <a:rPr lang="hr-HR" smtClean="0"/>
-              <a:t>30.7.2025.</a:t>
+              <a:t>4.8.2025.</a:t>
             </a:fld>
             <a:endParaRPr lang="hr-HR"/>
           </a:p>
@@ -3951,22 +3952,6 @@
           <a:lstStyle/>
           <a:p>
             <a:r>
-              <a:rPr lang="hr-HR" sz="2400" dirty="0"/>
-              <a:t>zovem se Jakov Biškup</a:t>
-            </a:r>
-          </a:p>
-          <a:p>
-            <a:r>
-              <a:rPr lang="hr-HR" sz="2400" dirty="0"/>
-              <a:t>završio sam prvu godinu FER-a</a:t>
-            </a:r>
-          </a:p>
-          <a:p>
-            <a:pPr lvl="1"/>
-            <a:endParaRPr lang="hr-HR" dirty="0"/>
-          </a:p>
-          <a:p>
-            <a:r>
               <a:rPr lang="hr-HR" sz="2400" dirty="0">
                 <a:hlinkClick r:id="rId2"/>
               </a:rPr>
@@ -4071,6 +4056,36 @@
           </a:p>
         </p:txBody>
       </p:sp>
+      <p:pic>
+        <p:nvPicPr>
+          <p:cNvPr id="4" name="Picture 3">
+            <a:extLst>
+              <a:ext uri="{FF2B5EF4-FFF2-40B4-BE49-F238E27FC236}">
+                <a16:creationId xmlns:a16="http://schemas.microsoft.com/office/drawing/2014/main" id="{595591C6-CE79-CC07-73B5-D8C3FC92203F}"/>
+              </a:ext>
+            </a:extLst>
+          </p:cNvPr>
+          <p:cNvPicPr>
+            <a:picLocks noChangeAspect="1"/>
+          </p:cNvPicPr>
+          <p:nvPr/>
+        </p:nvPicPr>
+        <p:blipFill>
+          <a:blip r:embed="rId3"/>
+          <a:stretch>
+            <a:fillRect/>
+          </a:stretch>
+        </p:blipFill>
+        <p:spPr>
+          <a:xfrm>
+            <a:off x="7842504" y="2368296"/>
+            <a:ext cx="3730752" cy="3730752"/>
+          </a:xfrm>
+          <a:prstGeom prst="rect">
+            <a:avLst/>
+          </a:prstGeom>
+        </p:spPr>
+      </p:pic>
     </p:spTree>
     <p:extLst>
       <p:ext uri="{BB962C8B-B14F-4D97-AF65-F5344CB8AC3E}">
@@ -4106,6 +4121,99 @@
           <p:cNvPr id="2" name="Title 1">
             <a:extLst>
               <a:ext uri="{FF2B5EF4-FFF2-40B4-BE49-F238E27FC236}">
+                <a16:creationId xmlns:a16="http://schemas.microsoft.com/office/drawing/2014/main" id="{519BA226-4EB9-80F5-A428-8D1683550164}"/>
+              </a:ext>
+            </a:extLst>
+          </p:cNvPr>
+          <p:cNvSpPr>
+            <a:spLocks noGrp="1"/>
+          </p:cNvSpPr>
+          <p:nvPr>
+            <p:ph type="title"/>
+          </p:nvPr>
+        </p:nvSpPr>
+        <p:spPr>
+          <a:xfrm>
+            <a:off x="1097280" y="286604"/>
+            <a:ext cx="9123045" cy="846872"/>
+          </a:xfrm>
+        </p:spPr>
+        <p:txBody>
+          <a:bodyPr/>
+          <a:lstStyle/>
+          <a:p>
+            <a:r>
+              <a:rPr lang="hr-HR" dirty="0"/>
+              <a:t>Preuzeti Python biblioteke</a:t>
+            </a:r>
+          </a:p>
+        </p:txBody>
+      </p:sp>
+      <p:pic>
+        <p:nvPicPr>
+          <p:cNvPr id="9" name="Picture 8">
+            <a:extLst>
+              <a:ext uri="{FF2B5EF4-FFF2-40B4-BE49-F238E27FC236}">
+                <a16:creationId xmlns:a16="http://schemas.microsoft.com/office/drawing/2014/main" id="{3A2F6A63-32EC-4D95-144A-8636B62E681F}"/>
+              </a:ext>
+            </a:extLst>
+          </p:cNvPr>
+          <p:cNvPicPr>
+            <a:picLocks noChangeAspect="1"/>
+          </p:cNvPicPr>
+          <p:nvPr/>
+        </p:nvPicPr>
+        <p:blipFill>
+          <a:blip r:embed="rId2"/>
+          <a:stretch>
+            <a:fillRect/>
+          </a:stretch>
+        </p:blipFill>
+        <p:spPr>
+          <a:xfrm>
+            <a:off x="1097280" y="2009776"/>
+            <a:ext cx="9446895" cy="4091256"/>
+          </a:xfrm>
+          <a:prstGeom prst="rect">
+            <a:avLst/>
+          </a:prstGeom>
+        </p:spPr>
+      </p:pic>
+    </p:spTree>
+    <p:extLst>
+      <p:ext uri="{BB962C8B-B14F-4D97-AF65-F5344CB8AC3E}">
+        <p14:creationId xmlns:p14="http://schemas.microsoft.com/office/powerpoint/2010/main" val="1905181400"/>
+      </p:ext>
+    </p:extLst>
+  </p:cSld>
+  <p:clrMapOvr>
+    <a:masterClrMapping/>
+  </p:clrMapOvr>
+</p:sld>
+</file>
+
+<file path=ppt/slides/slide5.xml><?xml version="1.0" encoding="utf-8"?>
+<p:sld xmlns:a="http://schemas.openxmlformats.org/drawingml/2006/main" xmlns:r="http://schemas.openxmlformats.org/officeDocument/2006/relationships" xmlns:p="http://schemas.openxmlformats.org/presentationml/2006/main">
+  <p:cSld>
+    <p:spTree>
+      <p:nvGrpSpPr>
+        <p:cNvPr id="1" name=""/>
+        <p:cNvGrpSpPr/>
+        <p:nvPr/>
+      </p:nvGrpSpPr>
+      <p:grpSpPr>
+        <a:xfrm>
+          <a:off x="0" y="0"/>
+          <a:ext cx="0" cy="0"/>
+          <a:chOff x="0" y="0"/>
+          <a:chExt cx="0" cy="0"/>
+        </a:xfrm>
+      </p:grpSpPr>
+      <p:sp>
+        <p:nvSpPr>
+          <p:cNvPr id="2" name="Title 1">
+            <a:extLst>
+              <a:ext uri="{FF2B5EF4-FFF2-40B4-BE49-F238E27FC236}">
                 <a16:creationId xmlns:a16="http://schemas.microsoft.com/office/drawing/2014/main" id="{E379AE82-C81A-8FB8-9336-39AECB6CB918}"/>
               </a:ext>
             </a:extLst>
@@ -4243,7 +4351,7 @@
 </p:sld>
 </file>
 
-<file path=ppt/slides/slide5.xml><?xml version="1.0" encoding="utf-8"?>
+<file path=ppt/slides/slide6.xml><?xml version="1.0" encoding="utf-8"?>
 <p:sld xmlns:a="http://schemas.openxmlformats.org/drawingml/2006/main" xmlns:r="http://schemas.openxmlformats.org/officeDocument/2006/relationships" xmlns:p="http://schemas.openxmlformats.org/presentationml/2006/main">
   <p:cSld>
     <p:spTree>
@@ -4311,7 +4419,7 @@
           <a:p>
             <a:r>
               <a:rPr lang="hr-HR" dirty="0"/>
-              <a:t>KORISNIK: „Marko, molim te upali svijetlo.”</a:t>
+              <a:t>KORISNIK: „Asistente, molim te upali svijetlo.”</a:t>
             </a:r>
           </a:p>
           <a:p>
@@ -4347,7 +4455,7 @@
       </p:sp>
       <p:pic>
         <p:nvPicPr>
-          <p:cNvPr id="1026" name="Picture 2" descr="ARDUINO MKR1000 WiFi (with HEADERS) - Buy ARDUINO MKR1000 WiFi (with  HEADERS) Online at Low Price in India - Amazon.in">
+          <p:cNvPr id="1026" name="Picture 2">
             <a:extLst>
               <a:ext uri="{FF2B5EF4-FFF2-40B4-BE49-F238E27FC236}">
                 <a16:creationId xmlns:a16="http://schemas.microsoft.com/office/drawing/2014/main" id="{31F1AC91-1355-48EC-6129-64DAC8212185}"/>
@@ -4368,14 +4476,12 @@
             </a:extLst>
           </a:blip>
           <a:srcRect/>
-          <a:stretch>
-            <a:fillRect/>
-          </a:stretch>
+          <a:stretch/>
         </p:blipFill>
         <p:spPr bwMode="auto">
           <a:xfrm>
-            <a:off x="8029575" y="2912323"/>
-            <a:ext cx="3065145" cy="3065145"/>
+            <a:off x="7105650" y="2716347"/>
+            <a:ext cx="4843462" cy="3632595"/>
           </a:xfrm>
           <a:prstGeom prst="rect">
             <a:avLst/>
@@ -4390,6 +4496,36 @@
               </a14:hiddenFill>
             </a:ext>
           </a:extLst>
+        </p:spPr>
+      </p:pic>
+      <p:pic>
+        <p:nvPicPr>
+          <p:cNvPr id="4" name="Picture 3">
+            <a:extLst>
+              <a:ext uri="{FF2B5EF4-FFF2-40B4-BE49-F238E27FC236}">
+                <a16:creationId xmlns:a16="http://schemas.microsoft.com/office/drawing/2014/main" id="{19AF36C2-9325-0F21-E1B9-9FB204085609}"/>
+              </a:ext>
+            </a:extLst>
+          </p:cNvPr>
+          <p:cNvPicPr>
+            <a:picLocks noChangeAspect="1"/>
+          </p:cNvPicPr>
+          <p:nvPr/>
+        </p:nvPicPr>
+        <p:blipFill>
+          <a:blip r:embed="rId3"/>
+          <a:stretch>
+            <a:fillRect/>
+          </a:stretch>
+        </p:blipFill>
+        <p:spPr>
+          <a:xfrm>
+            <a:off x="6438901" y="3918282"/>
+            <a:ext cx="1514474" cy="1514474"/>
+          </a:xfrm>
+          <a:prstGeom prst="rect">
+            <a:avLst/>
+          </a:prstGeom>
         </p:spPr>
       </p:pic>
     </p:spTree>
@@ -4405,7 +4541,7 @@
 </p:sld>
 </file>
 
-<file path=ppt/slides/slide6.xml><?xml version="1.0" encoding="utf-8"?>
+<file path=ppt/slides/slide7.xml><?xml version="1.0" encoding="utf-8"?>
 <p:sld xmlns:a="http://schemas.openxmlformats.org/drawingml/2006/main" xmlns:r="http://schemas.openxmlformats.org/officeDocument/2006/relationships" xmlns:p="http://schemas.openxmlformats.org/presentationml/2006/main">
   <p:cSld>
     <p:spTree>
@@ -4939,7 +5075,7 @@
 </p:sld>
 </file>
 
-<file path=ppt/slides/slide7.xml><?xml version="1.0" encoding="utf-8"?>
+<file path=ppt/slides/slide8.xml><?xml version="1.0" encoding="utf-8"?>
 <p:sld xmlns:a="http://schemas.openxmlformats.org/drawingml/2006/main" xmlns:r="http://schemas.openxmlformats.org/officeDocument/2006/relationships" xmlns:p="http://schemas.openxmlformats.org/presentationml/2006/main">
   <p:cSld>
     <p:spTree>
@@ -4961,7 +5097,7 @@
           <p:cNvPr id="2" name="Title 1">
             <a:extLst>
               <a:ext uri="{FF2B5EF4-FFF2-40B4-BE49-F238E27FC236}">
-                <a16:creationId xmlns:a16="http://schemas.microsoft.com/office/drawing/2014/main" id="{519BA226-4EB9-80F5-A428-8D1683550164}"/>
+                <a16:creationId xmlns:a16="http://schemas.microsoft.com/office/drawing/2014/main" id="{BC29F0E0-9244-68A7-0525-E37C40D0E8A2}"/>
               </a:ext>
             </a:extLst>
           </p:cNvPr>
@@ -4978,12 +5114,8 @@
           <a:lstStyle/>
           <a:p>
             <a:r>
-              <a:rPr lang="hr-HR" dirty="0"/>
-              <a:t>za </a:t>
-            </a:r>
-            <a:r>
-              <a:rPr lang="hr-HR" dirty="0" err="1"/>
-              <a:t>esp</a:t>
+              <a:rPr lang="en-US" dirty="0"/>
+              <a:t>AI model</a:t>
             </a:r>
             <a:endParaRPr lang="hr-HR" dirty="0"/>
           </a:p>
@@ -4994,7 +5126,7 @@
           <p:cNvPr id="3" name="Content Placeholder 2">
             <a:extLst>
               <a:ext uri="{FF2B5EF4-FFF2-40B4-BE49-F238E27FC236}">
-                <a16:creationId xmlns:a16="http://schemas.microsoft.com/office/drawing/2014/main" id="{B83AB4A8-250E-4285-3C6D-C3E2B35FEE4B}"/>
+                <a16:creationId xmlns:a16="http://schemas.microsoft.com/office/drawing/2014/main" id="{4804067A-3124-40C5-10A2-7918B994826C}"/>
               </a:ext>
             </a:extLst>
           </p:cNvPr>
@@ -5007,46 +5139,28 @@
         </p:nvSpPr>
         <p:spPr/>
         <p:txBody>
-          <a:bodyPr/>
-          <a:lstStyle/>
-          <a:p>
-            <a:r>
-              <a:rPr lang="hr-HR" dirty="0"/>
-              <a:t>dodaj: </a:t>
-            </a:r>
-            <a:r>
-              <a:rPr lang="en-GB" b="1" dirty="0">
+          <a:bodyPr>
+            <a:normAutofit/>
+          </a:bodyPr>
+          <a:lstStyle/>
+          <a:p>
+            <a:r>
+              <a:rPr lang="hr-HR" sz="5400" dirty="0">
                 <a:hlinkClick r:id="rId2"/>
               </a:rPr>
-              <a:t>http://arduino.esp8266.com/stable/package_esp8266com_index.json</a:t>
-            </a:r>
-            <a:endParaRPr lang="hr-HR" b="1" dirty="0"/>
-          </a:p>
-          <a:p>
-            <a:r>
-              <a:rPr lang="hr-HR" dirty="0"/>
-              <a:t>pod File/</a:t>
-            </a:r>
-            <a:r>
-              <a:rPr lang="hr-HR" dirty="0" err="1"/>
-              <a:t>Preferences</a:t>
-            </a:r>
-            <a:r>
-              <a:rPr lang="hr-HR" dirty="0"/>
-              <a:t>/</a:t>
-            </a:r>
-            <a:r>
-              <a:rPr lang="en-GB" dirty="0"/>
-              <a:t>Additional Boards Manager URLs</a:t>
-            </a:r>
-            <a:endParaRPr lang="hr-HR" dirty="0"/>
+              <a:t>https://tinyurl.com/model-ai</a:t>
+            </a:r>
+            <a:endParaRPr lang="en-US" sz="5400" dirty="0"/>
+          </a:p>
+          <a:p>
+            <a:endParaRPr lang="hr-HR" sz="5400" dirty="0"/>
           </a:p>
         </p:txBody>
       </p:sp>
     </p:spTree>
     <p:extLst>
       <p:ext uri="{BB962C8B-B14F-4D97-AF65-F5344CB8AC3E}">
-        <p14:creationId xmlns:p14="http://schemas.microsoft.com/office/powerpoint/2010/main" val="1905181400"/>
+        <p14:creationId xmlns:p14="http://schemas.microsoft.com/office/powerpoint/2010/main" val="748443522"/>
       </p:ext>
     </p:extLst>
   </p:cSld>

--- a/UvodnaPrezentacija.pptx
+++ b/UvodnaPrezentacija.pptx
@@ -345,7 +345,7 @@
           <a:p>
             <a:fld id="{A78B7BE5-530A-41AA-B1DA-95B0AB38CF5B}" type="datetimeFigureOut">
               <a:rPr lang="hr-HR" smtClean="0"/>
-              <a:t>4.8.2025.</a:t>
+              <a:t>5.8.2025.</a:t>
             </a:fld>
             <a:endParaRPr lang="hr-HR"/>
           </a:p>
@@ -553,7 +553,7 @@
           <a:p>
             <a:fld id="{A78B7BE5-530A-41AA-B1DA-95B0AB38CF5B}" type="datetimeFigureOut">
               <a:rPr lang="hr-HR" smtClean="0"/>
-              <a:t>4.8.2025.</a:t>
+              <a:t>5.8.2025.</a:t>
             </a:fld>
             <a:endParaRPr lang="hr-HR"/>
           </a:p>
@@ -809,7 +809,7 @@
           <a:p>
             <a:fld id="{A78B7BE5-530A-41AA-B1DA-95B0AB38CF5B}" type="datetimeFigureOut">
               <a:rPr lang="hr-HR" smtClean="0"/>
-              <a:t>4.8.2025.</a:t>
+              <a:t>5.8.2025.</a:t>
             </a:fld>
             <a:endParaRPr lang="hr-HR"/>
           </a:p>
@@ -983,7 +983,7 @@
           <a:p>
             <a:fld id="{A78B7BE5-530A-41AA-B1DA-95B0AB38CF5B}" type="datetimeFigureOut">
               <a:rPr lang="hr-HR" smtClean="0"/>
-              <a:t>4.8.2025.</a:t>
+              <a:t>5.8.2025.</a:t>
             </a:fld>
             <a:endParaRPr lang="hr-HR"/>
           </a:p>
@@ -1326,7 +1326,7 @@
           <a:p>
             <a:fld id="{A78B7BE5-530A-41AA-B1DA-95B0AB38CF5B}" type="datetimeFigureOut">
               <a:rPr lang="hr-HR" smtClean="0"/>
-              <a:t>4.8.2025.</a:t>
+              <a:t>5.8.2025.</a:t>
             </a:fld>
             <a:endParaRPr lang="hr-HR"/>
           </a:p>
@@ -1601,7 +1601,7 @@
           <a:p>
             <a:fld id="{A78B7BE5-530A-41AA-B1DA-95B0AB38CF5B}" type="datetimeFigureOut">
               <a:rPr lang="hr-HR" smtClean="0"/>
-              <a:t>4.8.2025.</a:t>
+              <a:t>5.8.2025.</a:t>
             </a:fld>
             <a:endParaRPr lang="hr-HR"/>
           </a:p>
@@ -1980,7 +1980,7 @@
           <a:p>
             <a:fld id="{A78B7BE5-530A-41AA-B1DA-95B0AB38CF5B}" type="datetimeFigureOut">
               <a:rPr lang="hr-HR" smtClean="0"/>
-              <a:t>4.8.2025.</a:t>
+              <a:t>5.8.2025.</a:t>
             </a:fld>
             <a:endParaRPr lang="hr-HR"/>
           </a:p>
@@ -2098,7 +2098,7 @@
           <a:p>
             <a:fld id="{A78B7BE5-530A-41AA-B1DA-95B0AB38CF5B}" type="datetimeFigureOut">
               <a:rPr lang="hr-HR" smtClean="0"/>
-              <a:t>4.8.2025.</a:t>
+              <a:t>5.8.2025.</a:t>
             </a:fld>
             <a:endParaRPr lang="hr-HR"/>
           </a:p>
@@ -2269,7 +2269,7 @@
           <a:p>
             <a:fld id="{A78B7BE5-530A-41AA-B1DA-95B0AB38CF5B}" type="datetimeFigureOut">
               <a:rPr lang="hr-HR" smtClean="0"/>
-              <a:t>4.8.2025.</a:t>
+              <a:t>5.8.2025.</a:t>
             </a:fld>
             <a:endParaRPr lang="hr-HR"/>
           </a:p>
@@ -2623,7 +2623,7 @@
           <a:p>
             <a:fld id="{A78B7BE5-530A-41AA-B1DA-95B0AB38CF5B}" type="datetimeFigureOut">
               <a:rPr lang="hr-HR" smtClean="0"/>
-              <a:t>4.8.2025.</a:t>
+              <a:t>5.8.2025.</a:t>
             </a:fld>
             <a:endParaRPr lang="hr-HR"/>
           </a:p>
@@ -3005,7 +3005,7 @@
           <a:p>
             <a:fld id="{A78B7BE5-530A-41AA-B1DA-95B0AB38CF5B}" type="datetimeFigureOut">
               <a:rPr lang="hr-HR" smtClean="0"/>
-              <a:t>4.8.2025.</a:t>
+              <a:t>5.8.2025.</a:t>
             </a:fld>
             <a:endParaRPr lang="hr-HR"/>
           </a:p>
@@ -3292,7 +3292,7 @@
           <a:p>
             <a:fld id="{A78B7BE5-530A-41AA-B1DA-95B0AB38CF5B}" type="datetimeFigureOut">
               <a:rPr lang="hr-HR" smtClean="0"/>
-              <a:t>4.8.2025.</a:t>
+              <a:t>5.8.2025.</a:t>
             </a:fld>
             <a:endParaRPr lang="hr-HR"/>
           </a:p>
@@ -3951,6 +3951,11 @@
           <a:bodyPr/>
           <a:lstStyle/>
           <a:p>
+            <a:endParaRPr lang="en-US" sz="2400" dirty="0">
+              <a:hlinkClick r:id="rId2"/>
+            </a:endParaRPr>
+          </a:p>
+          <a:p>
             <a:r>
               <a:rPr lang="hr-HR" sz="2400" dirty="0">
                 <a:hlinkClick r:id="rId2"/>
